--- a/hbm2015/tract_analysis_and_connectivity2.pptx
+++ b/hbm2015/tract_analysis_and_connectivity2.pptx
@@ -119,6 +119,11 @@
       </a:defRPr>
     </a:lvl9pPr>
   </p:defaultTextStyle>
+  <p:extLst>
+    <p:ext uri="{EFAFB233-063F-42B5-8137-9DF3F51BA10A}">
+      <p15:sldGuideLst xmlns:p15="http://schemas.microsoft.com/office/powerpoint/2012/main"/>
+    </p:ext>
+  </p:extLst>
 </p:presentation>
 </file>
 
@@ -4316,19 +4321,7 @@
                 <a:latin typeface="Helvetica" panose="020B0604020202020204" pitchFamily="34" charset="0"/>
                 <a:cs typeface="Helvetica" panose="020B0604020202020204" pitchFamily="34" charset="0"/>
               </a:rPr>
-              <a:t> </a:t>
-            </a:r>
-            <a:r>
-              <a:rPr lang="en-US" sz="1400" dirty="0" smtClean="0">
-                <a:solidFill>
-                  <a:schemeClr val="tx2">
-                    <a:lumMod val="90000"/>
-                  </a:schemeClr>
-                </a:solidFill>
-                <a:latin typeface="Helvetica" panose="020B0604020202020204" pitchFamily="34" charset="0"/>
-                <a:cs typeface="Helvetica" panose="020B0604020202020204" pitchFamily="34" charset="0"/>
-              </a:rPr>
-              <a:t>(2015)</a:t>
+              <a:t> (2015)</a:t>
             </a:r>
             <a:endParaRPr lang="en-US" sz="1400" dirty="0">
               <a:solidFill>
@@ -4361,7 +4354,7 @@
           </a:ln>
           <a:extLst>
             <a:ext uri="{C572A759-6A51-4108-AA02-DFA0A04FC94B}">
-              <ma14:wrappingTextBoxFlag xmlns:ma14="http://schemas.microsoft.com/office/mac/drawingml/2011/main" xmlns="" val="1"/>
+              <ma14:wrappingTextBoxFlag xmlns="" xmlns:ma14="http://schemas.microsoft.com/office/mac/drawingml/2011/main" val="1"/>
             </a:ext>
           </a:extLst>
         </p:spPr>
@@ -4422,27 +4415,7 @@
                   </a:solidFill>
                 </a:uFill>
               </a:rPr>
-              <a:t>                                       Bells </a:t>
-            </a:r>
-            <a:r>
-              <a:rPr lang="en-US" dirty="0" smtClean="0">
-                <a:solidFill>
-                  <a:srgbClr val="FFFFFF"/>
-                </a:solidFill>
-                <a:effectLst>
-                  <a:outerShdw blurRad="38100" dist="64529" dir="2700000" rotWithShape="0">
-                    <a:srgbClr val="000000">
-                      <a:alpha val="48275"/>
-                    </a:srgbClr>
-                  </a:outerShdw>
-                </a:effectLst>
-                <a:uFill>
-                  <a:solidFill>
-                    <a:srgbClr val="FFFFFF"/>
-                  </a:solidFill>
-                </a:uFill>
-              </a:rPr>
-              <a:t>et al. ISMRM 2012,  </a:t>
+              <a:t>                                       Bells et al. ISMRM 2012,  </a:t>
             </a:r>
             <a:r>
               <a:rPr lang="en-US" dirty="0" err="1" smtClean="0">
@@ -6626,19 +6599,7 @@
                 <a:latin typeface="Helvetica" panose="020B0604020202020204" pitchFamily="34" charset="0"/>
                 <a:cs typeface="Helvetica" panose="020B0604020202020204" pitchFamily="34" charset="0"/>
               </a:rPr>
-              <a:t> </a:t>
-            </a:r>
-            <a:r>
-              <a:rPr lang="en-US" sz="1400" dirty="0" smtClean="0">
-                <a:solidFill>
-                  <a:schemeClr val="tx2">
-                    <a:lumMod val="90000"/>
-                  </a:schemeClr>
-                </a:solidFill>
-                <a:latin typeface="Helvetica" panose="020B0604020202020204" pitchFamily="34" charset="0"/>
-                <a:cs typeface="Helvetica" panose="020B0604020202020204" pitchFamily="34" charset="0"/>
-              </a:rPr>
-              <a:t>(2015)</a:t>
+              <a:t> (2015)</a:t>
             </a:r>
             <a:endParaRPr lang="en-US" sz="1400" dirty="0">
               <a:solidFill>
@@ -6910,19 +6871,7 @@
                 <a:latin typeface="Helvetica" panose="020B0604020202020204" pitchFamily="34" charset="0"/>
                 <a:cs typeface="Helvetica" panose="020B0604020202020204" pitchFamily="34" charset="0"/>
               </a:rPr>
-              <a:t> </a:t>
-            </a:r>
-            <a:r>
-              <a:rPr lang="en-US" sz="1400" dirty="0" smtClean="0">
-                <a:solidFill>
-                  <a:schemeClr val="tx2">
-                    <a:lumMod val="90000"/>
-                  </a:schemeClr>
-                </a:solidFill>
-                <a:latin typeface="Helvetica" panose="020B0604020202020204" pitchFamily="34" charset="0"/>
-                <a:cs typeface="Helvetica" panose="020B0604020202020204" pitchFamily="34" charset="0"/>
-              </a:rPr>
-              <a:t>(2015)</a:t>
+              <a:t> (2015)</a:t>
             </a:r>
             <a:endParaRPr lang="en-US" sz="1400" dirty="0">
               <a:solidFill>
@@ -7258,19 +7207,7 @@
                 <a:latin typeface="Helvetica" panose="020B0604020202020204" pitchFamily="34" charset="0"/>
                 <a:cs typeface="Helvetica" panose="020B0604020202020204" pitchFamily="34" charset="0"/>
               </a:rPr>
-              <a:t> </a:t>
-            </a:r>
-            <a:r>
-              <a:rPr lang="en-US" sz="1400" dirty="0" smtClean="0">
-                <a:solidFill>
-                  <a:schemeClr val="tx2">
-                    <a:lumMod val="90000"/>
-                  </a:schemeClr>
-                </a:solidFill>
-                <a:latin typeface="Helvetica" panose="020B0604020202020204" pitchFamily="34" charset="0"/>
-                <a:cs typeface="Helvetica" panose="020B0604020202020204" pitchFamily="34" charset="0"/>
-              </a:rPr>
-              <a:t>(2015)</a:t>
+              <a:t> (2015)</a:t>
             </a:r>
             <a:endParaRPr lang="en-US" sz="1400" dirty="0">
               <a:solidFill>
@@ -7937,19 +7874,7 @@
                 <a:latin typeface="Helvetica" panose="020B0604020202020204" pitchFamily="34" charset="0"/>
                 <a:cs typeface="Helvetica" panose="020B0604020202020204" pitchFamily="34" charset="0"/>
               </a:rPr>
-              <a:t> </a:t>
-            </a:r>
-            <a:r>
-              <a:rPr lang="en-US" sz="1400" dirty="0" smtClean="0">
-                <a:solidFill>
-                  <a:schemeClr val="tx2">
-                    <a:lumMod val="90000"/>
-                  </a:schemeClr>
-                </a:solidFill>
-                <a:latin typeface="Helvetica" panose="020B0604020202020204" pitchFamily="34" charset="0"/>
-                <a:cs typeface="Helvetica" panose="020B0604020202020204" pitchFamily="34" charset="0"/>
-              </a:rPr>
-              <a:t>(2015)</a:t>
+              <a:t> (2015)</a:t>
             </a:r>
             <a:endParaRPr lang="en-US" sz="1400" dirty="0">
               <a:solidFill>
@@ -8271,19 +8196,7 @@
                 <a:latin typeface="Helvetica" panose="020B0604020202020204" pitchFamily="34" charset="0"/>
                 <a:cs typeface="Helvetica" panose="020B0604020202020204" pitchFamily="34" charset="0"/>
               </a:rPr>
-              <a:t> </a:t>
-            </a:r>
-            <a:r>
-              <a:rPr lang="en-US" sz="1400" dirty="0" smtClean="0">
-                <a:solidFill>
-                  <a:schemeClr val="tx2">
-                    <a:lumMod val="90000"/>
-                  </a:schemeClr>
-                </a:solidFill>
-                <a:latin typeface="Helvetica" panose="020B0604020202020204" pitchFamily="34" charset="0"/>
-                <a:cs typeface="Helvetica" panose="020B0604020202020204" pitchFamily="34" charset="0"/>
-              </a:rPr>
-              <a:t>(2015)</a:t>
+              <a:t> (2015)</a:t>
             </a:r>
             <a:endParaRPr lang="en-US" sz="1400" dirty="0">
               <a:solidFill>
@@ -8575,19 +8488,7 @@
                 <a:latin typeface="Helvetica" panose="020B0604020202020204" pitchFamily="34" charset="0"/>
                 <a:cs typeface="Helvetica" panose="020B0604020202020204" pitchFamily="34" charset="0"/>
               </a:rPr>
-              <a:t> </a:t>
-            </a:r>
-            <a:r>
-              <a:rPr lang="en-US" sz="1400" dirty="0" smtClean="0">
-                <a:solidFill>
-                  <a:schemeClr val="tx2">
-                    <a:lumMod val="90000"/>
-                  </a:schemeClr>
-                </a:solidFill>
-                <a:latin typeface="Helvetica" panose="020B0604020202020204" pitchFamily="34" charset="0"/>
-                <a:cs typeface="Helvetica" panose="020B0604020202020204" pitchFamily="34" charset="0"/>
-              </a:rPr>
-              <a:t>(2015)</a:t>
+              <a:t> (2015)</a:t>
             </a:r>
             <a:endParaRPr lang="en-US" sz="1400" dirty="0">
               <a:solidFill>
@@ -8908,19 +8809,7 @@
                 <a:latin typeface="Helvetica" panose="020B0604020202020204" pitchFamily="34" charset="0"/>
                 <a:cs typeface="Helvetica" panose="020B0604020202020204" pitchFamily="34" charset="0"/>
               </a:rPr>
-              <a:t> </a:t>
-            </a:r>
-            <a:r>
-              <a:rPr lang="en-US" sz="1400" dirty="0" smtClean="0">
-                <a:solidFill>
-                  <a:schemeClr val="tx2">
-                    <a:lumMod val="90000"/>
-                  </a:schemeClr>
-                </a:solidFill>
-                <a:latin typeface="Helvetica" panose="020B0604020202020204" pitchFamily="34" charset="0"/>
-                <a:cs typeface="Helvetica" panose="020B0604020202020204" pitchFamily="34" charset="0"/>
-              </a:rPr>
-              <a:t>(2015)</a:t>
+              <a:t> (2015)</a:t>
             </a:r>
             <a:endParaRPr lang="en-US" sz="1400" dirty="0">
               <a:solidFill>
@@ -9211,19 +9100,7 @@
                 <a:latin typeface="Helvetica" panose="020B0604020202020204" pitchFamily="34" charset="0"/>
                 <a:cs typeface="Helvetica" panose="020B0604020202020204" pitchFamily="34" charset="0"/>
               </a:rPr>
-              <a:t> </a:t>
-            </a:r>
-            <a:r>
-              <a:rPr lang="en-US" sz="1400" dirty="0" smtClean="0">
-                <a:solidFill>
-                  <a:schemeClr val="tx2">
-                    <a:lumMod val="90000"/>
-                  </a:schemeClr>
-                </a:solidFill>
-                <a:latin typeface="Helvetica" panose="020B0604020202020204" pitchFamily="34" charset="0"/>
-                <a:cs typeface="Helvetica" panose="020B0604020202020204" pitchFamily="34" charset="0"/>
-              </a:rPr>
-              <a:t>(2015)</a:t>
+              <a:t> (2015)</a:t>
             </a:r>
             <a:endParaRPr lang="en-US" sz="1400" dirty="0">
               <a:solidFill>
